--- a/prezentacie/p14w.pptx
+++ b/prezentacie/p14w.pptx
@@ -250,7 +250,7 @@
           <a:p>
             <a:fld id="{10052495-8BC8-4CFB-94B1-B0429F101A0D}" type="datetimeFigureOut">
               <a:rPr lang="sk-SK" smtClean="0"/>
-              <a:t>3. 12. 2025</a:t>
+              <a:t>16. 12. 2025</a:t>
             </a:fld>
             <a:endParaRPr lang="sk-SK"/>
           </a:p>
@@ -420,7 +420,7 @@
           <a:p>
             <a:fld id="{10052495-8BC8-4CFB-94B1-B0429F101A0D}" type="datetimeFigureOut">
               <a:rPr lang="sk-SK" smtClean="0"/>
-              <a:t>3. 12. 2025</a:t>
+              <a:t>16. 12. 2025</a:t>
             </a:fld>
             <a:endParaRPr lang="sk-SK"/>
           </a:p>
@@ -600,7 +600,7 @@
           <a:p>
             <a:fld id="{10052495-8BC8-4CFB-94B1-B0429F101A0D}" type="datetimeFigureOut">
               <a:rPr lang="sk-SK" smtClean="0"/>
-              <a:t>3. 12. 2025</a:t>
+              <a:t>16. 12. 2025</a:t>
             </a:fld>
             <a:endParaRPr lang="sk-SK"/>
           </a:p>
@@ -770,7 +770,7 @@
           <a:p>
             <a:fld id="{10052495-8BC8-4CFB-94B1-B0429F101A0D}" type="datetimeFigureOut">
               <a:rPr lang="sk-SK" smtClean="0"/>
-              <a:t>3. 12. 2025</a:t>
+              <a:t>16. 12. 2025</a:t>
             </a:fld>
             <a:endParaRPr lang="sk-SK"/>
           </a:p>
@@ -1016,7 +1016,7 @@
           <a:p>
             <a:fld id="{10052495-8BC8-4CFB-94B1-B0429F101A0D}" type="datetimeFigureOut">
               <a:rPr lang="sk-SK" smtClean="0"/>
-              <a:t>3. 12. 2025</a:t>
+              <a:t>16. 12. 2025</a:t>
             </a:fld>
             <a:endParaRPr lang="sk-SK"/>
           </a:p>
@@ -1248,7 +1248,7 @@
           <a:p>
             <a:fld id="{10052495-8BC8-4CFB-94B1-B0429F101A0D}" type="datetimeFigureOut">
               <a:rPr lang="sk-SK" smtClean="0"/>
-              <a:t>3. 12. 2025</a:t>
+              <a:t>16. 12. 2025</a:t>
             </a:fld>
             <a:endParaRPr lang="sk-SK"/>
           </a:p>
@@ -1615,7 +1615,7 @@
           <a:p>
             <a:fld id="{10052495-8BC8-4CFB-94B1-B0429F101A0D}" type="datetimeFigureOut">
               <a:rPr lang="sk-SK" smtClean="0"/>
-              <a:t>3. 12. 2025</a:t>
+              <a:t>16. 12. 2025</a:t>
             </a:fld>
             <a:endParaRPr lang="sk-SK"/>
           </a:p>
@@ -1733,7 +1733,7 @@
           <a:p>
             <a:fld id="{10052495-8BC8-4CFB-94B1-B0429F101A0D}" type="datetimeFigureOut">
               <a:rPr lang="sk-SK" smtClean="0"/>
-              <a:t>3. 12. 2025</a:t>
+              <a:t>16. 12. 2025</a:t>
             </a:fld>
             <a:endParaRPr lang="sk-SK"/>
           </a:p>
@@ -1828,7 +1828,7 @@
           <a:p>
             <a:fld id="{10052495-8BC8-4CFB-94B1-B0429F101A0D}" type="datetimeFigureOut">
               <a:rPr lang="sk-SK" smtClean="0"/>
-              <a:t>3. 12. 2025</a:t>
+              <a:t>16. 12. 2025</a:t>
             </a:fld>
             <a:endParaRPr lang="sk-SK"/>
           </a:p>
@@ -2105,7 +2105,7 @@
           <a:p>
             <a:fld id="{10052495-8BC8-4CFB-94B1-B0429F101A0D}" type="datetimeFigureOut">
               <a:rPr lang="sk-SK" smtClean="0"/>
-              <a:t>3. 12. 2025</a:t>
+              <a:t>16. 12. 2025</a:t>
             </a:fld>
             <a:endParaRPr lang="sk-SK"/>
           </a:p>
@@ -2362,7 +2362,7 @@
           <a:p>
             <a:fld id="{10052495-8BC8-4CFB-94B1-B0429F101A0D}" type="datetimeFigureOut">
               <a:rPr lang="sk-SK" smtClean="0"/>
-              <a:t>3. 12. 2025</a:t>
+              <a:t>16. 12. 2025</a:t>
             </a:fld>
             <a:endParaRPr lang="sk-SK"/>
           </a:p>
@@ -2575,7 +2575,7 @@
           <a:p>
             <a:fld id="{10052495-8BC8-4CFB-94B1-B0429F101A0D}" type="datetimeFigureOut">
               <a:rPr lang="sk-SK" smtClean="0"/>
-              <a:t>3. 12. 2025</a:t>
+              <a:t>16. 12. 2025</a:t>
             </a:fld>
             <a:endParaRPr lang="sk-SK"/>
           </a:p>
@@ -5165,15 +5165,6 @@
               <a:buNone/>
             </a:pPr>
             <a:r>
-              <a:rPr lang="sk-SK" sz="2400" dirty="0">
-                <a:highlight>
-                  <a:srgbClr val="FFFF00"/>
-                </a:highlight>
-                <a:latin typeface="Consolas" panose="020B0609020204030204" pitchFamily="49" charset="0"/>
-              </a:rPr>
-              <a:t>    </a:t>
-            </a:r>
-            <a:r>
               <a:rPr lang="sk-SK" sz="2400" i="1" dirty="0">
                 <a:highlight>
                   <a:srgbClr val="FFFF00"/>
@@ -5209,15 +5200,6 @@
               <a:buNone/>
             </a:pPr>
             <a:r>
-              <a:rPr lang="sk-SK" sz="2400" dirty="0">
-                <a:highlight>
-                  <a:srgbClr val="FFFF00"/>
-                </a:highlight>
-                <a:latin typeface="Consolas" panose="020B0609020204030204" pitchFamily="49" charset="0"/>
-              </a:rPr>
-              <a:t>    </a:t>
-            </a:r>
-            <a:r>
               <a:rPr lang="sk-SK" sz="2400" dirty="0" err="1">
                 <a:highlight>
                   <a:srgbClr val="FFFF00"/>
@@ -5286,7 +5268,7 @@
                 </a:highlight>
                 <a:latin typeface="Consolas" panose="020B0609020204030204" pitchFamily="49" charset="0"/>
               </a:rPr>
-              <a:t>    # Ktoré tlačidlá sú práve stlačené (ľavé, stredné, pravé)</a:t>
+              <a:t># Ktoré tlačidlá sú práve stlačené (ľavé, stredné, pravé)</a:t>
             </a:r>
           </a:p>
           <a:p>
@@ -5297,15 +5279,6 @@
               <a:buNone/>
             </a:pPr>
             <a:r>
-              <a:rPr lang="sk-SK" sz="2400" dirty="0">
-                <a:highlight>
-                  <a:srgbClr val="FFFF00"/>
-                </a:highlight>
-                <a:latin typeface="Consolas" panose="020B0609020204030204" pitchFamily="49" charset="0"/>
-              </a:rPr>
-              <a:t>    </a:t>
-            </a:r>
-            <a:r>
               <a:rPr lang="sk-SK" sz="2400" dirty="0" err="1">
                 <a:highlight>
                   <a:srgbClr val="FFFF00"/>
@@ -5356,7 +5329,7 @@
                 </a:highlight>
                 <a:latin typeface="Consolas" panose="020B0609020204030204" pitchFamily="49" charset="0"/>
               </a:rPr>
-              <a:t>    # </a:t>
+              <a:t># </a:t>
             </a:r>
             <a:r>
               <a:rPr lang="sk-SK" sz="2400" i="1" dirty="0" err="1">
@@ -5403,15 +5376,6 @@
               <a:buNone/>
             </a:pPr>
             <a:r>
-              <a:rPr lang="sk-SK" sz="2400" dirty="0">
-                <a:highlight>
-                  <a:srgbClr val="FFFF00"/>
-                </a:highlight>
-                <a:latin typeface="Consolas" panose="020B0609020204030204" pitchFamily="49" charset="0"/>
-              </a:rPr>
-              <a:t>    </a:t>
-            </a:r>
-            <a:r>
               <a:rPr lang="sk-SK" sz="2400" dirty="0" err="1">
                 <a:highlight>
                   <a:srgbClr val="FFFF00"/>
@@ -5462,7 +5426,7 @@
                 </a:highlight>
                 <a:latin typeface="Consolas" panose="020B0609020204030204" pitchFamily="49" charset="0"/>
               </a:rPr>
-              <a:t>        </a:t>
+              <a:t>    </a:t>
             </a:r>
             <a:r>
               <a:rPr lang="sk-SK" sz="2400" dirty="0" err="1">
@@ -7512,12 +7476,12 @@
               <a:t>Hra </a:t>
             </a:r>
             <a:r>
-              <a:rPr lang="sk-SK" dirty="0" err="1">
+              <a:rPr lang="en-US" dirty="0">
                 <a:solidFill>
                   <a:prstClr val="black"/>
                 </a:solidFill>
               </a:rPr>
-              <a:t>Pong</a:t>
+              <a:t>Adventura</a:t>
             </a:r>
             <a:endParaRPr lang="sk-SK" dirty="0"/>
           </a:p>
